--- a/templates/CES_poster_template.pptx
+++ b/templates/CES_poster_template.pptx
@@ -3774,7 +3774,7 @@
                   <a:schemeClr val="bg1"/>
                 </a:solidFill>
               </a:rPr>
-              <a:t>subtitle: Arial 60pt</a:t>
+              <a:t>subtitle (optional) : Arial 60pt</a:t>
             </a:r>
             <a:br>
               <a:rPr lang="da-DK" sz="6000" dirty="0">
